--- a/FlaskApp/generated/Company51ByLevelFrom2022-06-01To2022-06-15.pptx
+++ b/FlaskApp/generated/Company51ByLevelFrom2022-06-01To2022-06-15.pptx
@@ -8,7 +8,6 @@
     <p:sldId id="256" r:id="rId7"/>
     <p:sldId id="257" r:id="rId8"/>
     <p:sldId id="258" r:id="rId9"/>
-    <p:sldId id="259" r:id="rId10"/>
   </p:sldIdLst>
   <p:sldSz cx="9144000" cy="6858000" type="screen4x3"/>
   <p:notesSz cx="6858000" cy="9144000"/>
@@ -3098,6 +3097,490 @@
             <a:spLocks noGrp="1"/>
           </p:cNvSpPr>
           <p:nvPr>
+            <p:ph type="ctrTitle"/>
+          </p:nvPr>
+        </p:nvSpPr>
+        <p:spPr/>
+        <p:txBody>
+          <a:bodyPr/>
+          <a:lstStyle/>
+          <a:p>
+            <a:r>
+              <a:rPr b="1"/>
+              <a:t>Full Report</a:t>
+            </a:r>
+          </a:p>
+        </p:txBody>
+      </p:sp>
+      <p:sp>
+        <p:nvSpPr>
+          <p:cNvPr id="3" name="Subtitle 2"/>
+          <p:cNvSpPr>
+            <a:spLocks noGrp="1"/>
+          </p:cNvSpPr>
+          <p:nvPr>
+            <p:ph type="subTitle" idx="1"/>
+          </p:nvPr>
+        </p:nvSpPr>
+        <p:spPr/>
+        <p:txBody>
+          <a:bodyPr/>
+          <a:lstStyle/>
+          <a:p>
+            <a:r>
+              <a:t>From 2022-06-01 to 2022-06-15</a:t>
+            </a:r>
+          </a:p>
+        </p:txBody>
+      </p:sp>
+      <p:pic>
+        <p:nvPicPr>
+          <p:cNvPr id="4" name="Picture 3" descr="SeekLogo.png"/>
+          <p:cNvPicPr>
+            <a:picLocks noChangeAspect="1"/>
+          </p:cNvPicPr>
+          <p:nvPr/>
+        </p:nvPicPr>
+        <p:blipFill>
+          <a:blip r:embed="rId2"/>
+          <a:stretch>
+            <a:fillRect/>
+          </a:stretch>
+        </p:blipFill>
+        <p:spPr>
+          <a:xfrm>
+            <a:off x="7726679" y="18288"/>
+            <a:ext cx="1408176" cy="1298448"/>
+          </a:xfrm>
+          <a:prstGeom prst="rect">
+            <a:avLst/>
+          </a:prstGeom>
+        </p:spPr>
+      </p:pic>
+    </p:spTree>
+  </p:cSld>
+  <p:clrMapOvr>
+    <a:masterClrMapping/>
+  </p:clrMapOvr>
+</p:sld>
+</file>
+
+<file path=ppt/slides/slide2.xml><?xml version="1.0" encoding="utf-8"?>
+<p:sld xmlns:a="http://schemas.openxmlformats.org/drawingml/2006/main" xmlns:p="http://schemas.openxmlformats.org/presentationml/2006/main" xmlns:r="http://schemas.openxmlformats.org/officeDocument/2006/relationships">
+  <p:cSld>
+    <p:spTree>
+      <p:nvGrpSpPr>
+        <p:cNvPr id="1" name=""/>
+        <p:cNvGrpSpPr/>
+        <p:nvPr/>
+      </p:nvGrpSpPr>
+      <p:grpSpPr/>
+      <p:sp>
+        <p:nvSpPr>
+          <p:cNvPr id="2" name="Title 1"/>
+          <p:cNvSpPr>
+            <a:spLocks noGrp="1"/>
+          </p:cNvSpPr>
+          <p:nvPr>
+            <p:ph type="title"/>
+          </p:nvPr>
+        </p:nvSpPr>
+        <p:spPr/>
+        <p:txBody>
+          <a:bodyPr/>
+          <a:lstStyle/>
+          <a:p>
+            <a:r>
+              <a:rPr sz="4400" b="1"/>
+              <a:t>Download Status</a:t>
+            </a:r>
+          </a:p>
+        </p:txBody>
+      </p:sp>
+      <p:pic>
+        <p:nvPicPr>
+          <p:cNvPr id="3" name="Picture 2" descr="SeekLogo.png"/>
+          <p:cNvPicPr>
+            <a:picLocks noChangeAspect="1"/>
+          </p:cNvPicPr>
+          <p:nvPr/>
+        </p:nvPicPr>
+        <p:blipFill>
+          <a:blip r:embed="rId2"/>
+          <a:stretch>
+            <a:fillRect/>
+          </a:stretch>
+        </p:blipFill>
+        <p:spPr>
+          <a:xfrm>
+            <a:off x="8293608" y="18288"/>
+            <a:ext cx="841248" cy="768096"/>
+          </a:xfrm>
+          <a:prstGeom prst="rect">
+            <a:avLst/>
+          </a:prstGeom>
+        </p:spPr>
+      </p:pic>
+      <p:graphicFrame>
+        <p:nvGraphicFramePr>
+          <p:cNvPr id="4" name="Table 3"/>
+          <p:cNvGraphicFramePr>
+            <a:graphicFrameLocks noGrp="1"/>
+          </p:cNvGraphicFramePr>
+          <p:nvPr/>
+        </p:nvGraphicFramePr>
+        <p:xfrm>
+          <a:off x="914400" y="1371600"/>
+          <a:ext cx="7498080" cy="1828800"/>
+        </p:xfrm>
+        <a:graphic>
+          <a:graphicData uri="http://schemas.openxmlformats.org/drawingml/2006/table">
+            <a:tbl>
+              <a:tblPr firstRow="1" bandRow="1">
+                <a:tableStyleId>{5C22544A-7EE6-4342-B048-85BDC9FD1C3A}</a:tableStyleId>
+              </a:tblPr>
+              <a:tblGrid>
+                <a:gridCol w="1828800"/>
+                <a:gridCol w="1463040"/>
+                <a:gridCol w="1828800"/>
+                <a:gridCol w="914400"/>
+                <a:gridCol w="1463040"/>
+              </a:tblGrid>
+              <a:tr h="365760">
+                <a:tc>
+                  <a:txBody>
+                    <a:bodyPr/>
+                    <a:lstStyle/>
+                    <a:p/>
+                  </a:txBody>
+                  <a:tcPr/>
+                </a:tc>
+                <a:tc>
+                  <a:txBody>
+                    <a:bodyPr/>
+                    <a:lstStyle/>
+                    <a:p>
+                      <a:r>
+                        <a:t>Downloaded</a:t>
+                      </a:r>
+                    </a:p>
+                  </a:txBody>
+                  <a:tcPr/>
+                </a:tc>
+                <a:tc>
+                  <a:txBody>
+                    <a:bodyPr/>
+                    <a:lstStyle/>
+                    <a:p>
+                      <a:r>
+                        <a:t>Yet to Download</a:t>
+                      </a:r>
+                    </a:p>
+                  </a:txBody>
+                  <a:tcPr/>
+                </a:tc>
+                <a:tc>
+                  <a:txBody>
+                    <a:bodyPr/>
+                    <a:lstStyle/>
+                    <a:p>
+                      <a:r>
+                        <a:t>Total</a:t>
+                      </a:r>
+                    </a:p>
+                  </a:txBody>
+                  <a:tcPr/>
+                </a:tc>
+                <a:tc>
+                  <a:txBody>
+                    <a:bodyPr/>
+                    <a:lstStyle/>
+                    <a:p>
+                      <a:r>
+                        <a:t>% Download</a:t>
+                      </a:r>
+                    </a:p>
+                  </a:txBody>
+                  <a:tcPr/>
+                </a:tc>
+              </a:tr>
+              <a:tr h="365760">
+                <a:tc>
+                  <a:txBody>
+                    <a:bodyPr/>
+                    <a:lstStyle/>
+                    <a:p>
+                      <a:r>
+                        <a:t>Junior</a:t>
+                      </a:r>
+                    </a:p>
+                  </a:txBody>
+                  <a:tcPr/>
+                </a:tc>
+                <a:tc>
+                  <a:txBody>
+                    <a:bodyPr/>
+                    <a:lstStyle/>
+                    <a:p>
+                      <a:r>
+                        <a:t>2396</a:t>
+                      </a:r>
+                    </a:p>
+                  </a:txBody>
+                  <a:tcPr/>
+                </a:tc>
+                <a:tc>
+                  <a:txBody>
+                    <a:bodyPr/>
+                    <a:lstStyle/>
+                    <a:p>
+                      <a:r>
+                        <a:t>474</a:t>
+                      </a:r>
+                    </a:p>
+                  </a:txBody>
+                  <a:tcPr/>
+                </a:tc>
+                <a:tc>
+                  <a:txBody>
+                    <a:bodyPr/>
+                    <a:lstStyle/>
+                    <a:p>
+                      <a:r>
+                        <a:t>2870</a:t>
+                      </a:r>
+                    </a:p>
+                  </a:txBody>
+                  <a:tcPr/>
+                </a:tc>
+                <a:tc>
+                  <a:txBody>
+                    <a:bodyPr/>
+                    <a:lstStyle/>
+                    <a:p>
+                      <a:r>
+                        <a:t>83%</a:t>
+                      </a:r>
+                    </a:p>
+                  </a:txBody>
+                  <a:tcPr/>
+                </a:tc>
+              </a:tr>
+              <a:tr h="365760">
+                <a:tc>
+                  <a:txBody>
+                    <a:bodyPr/>
+                    <a:lstStyle/>
+                    <a:p>
+                      <a:r>
+                        <a:t>Middle</a:t>
+                      </a:r>
+                    </a:p>
+                  </a:txBody>
+                  <a:tcPr/>
+                </a:tc>
+                <a:tc>
+                  <a:txBody>
+                    <a:bodyPr/>
+                    <a:lstStyle/>
+                    <a:p>
+                      <a:r>
+                        <a:t>220</a:t>
+                      </a:r>
+                    </a:p>
+                  </a:txBody>
+                  <a:tcPr/>
+                </a:tc>
+                <a:tc>
+                  <a:txBody>
+                    <a:bodyPr/>
+                    <a:lstStyle/>
+                    <a:p>
+                      <a:r>
+                        <a:t>68</a:t>
+                      </a:r>
+                    </a:p>
+                  </a:txBody>
+                  <a:tcPr/>
+                </a:tc>
+                <a:tc>
+                  <a:txBody>
+                    <a:bodyPr/>
+                    <a:lstStyle/>
+                    <a:p>
+                      <a:r>
+                        <a:t>288</a:t>
+                      </a:r>
+                    </a:p>
+                  </a:txBody>
+                  <a:tcPr/>
+                </a:tc>
+                <a:tc>
+                  <a:txBody>
+                    <a:bodyPr/>
+                    <a:lstStyle/>
+                    <a:p>
+                      <a:r>
+                        <a:t>76%</a:t>
+                      </a:r>
+                    </a:p>
+                  </a:txBody>
+                  <a:tcPr/>
+                </a:tc>
+              </a:tr>
+              <a:tr h="365760">
+                <a:tc>
+                  <a:txBody>
+                    <a:bodyPr/>
+                    <a:lstStyle/>
+                    <a:p>
+                      <a:r>
+                        <a:t>Senior</a:t>
+                      </a:r>
+                    </a:p>
+                  </a:txBody>
+                  <a:tcPr/>
+                </a:tc>
+                <a:tc>
+                  <a:txBody>
+                    <a:bodyPr/>
+                    <a:lstStyle/>
+                    <a:p>
+                      <a:r>
+                        <a:t>25</a:t>
+                      </a:r>
+                    </a:p>
+                  </a:txBody>
+                  <a:tcPr/>
+                </a:tc>
+                <a:tc>
+                  <a:txBody>
+                    <a:bodyPr/>
+                    <a:lstStyle/>
+                    <a:p>
+                      <a:r>
+                        <a:t>9</a:t>
+                      </a:r>
+                    </a:p>
+                  </a:txBody>
+                  <a:tcPr/>
+                </a:tc>
+                <a:tc>
+                  <a:txBody>
+                    <a:bodyPr/>
+                    <a:lstStyle/>
+                    <a:p>
+                      <a:r>
+                        <a:t>34</a:t>
+                      </a:r>
+                    </a:p>
+                  </a:txBody>
+                  <a:tcPr/>
+                </a:tc>
+                <a:tc>
+                  <a:txBody>
+                    <a:bodyPr/>
+                    <a:lstStyle/>
+                    <a:p>
+                      <a:r>
+                        <a:t>74%</a:t>
+                      </a:r>
+                    </a:p>
+                  </a:txBody>
+                  <a:tcPr/>
+                </a:tc>
+              </a:tr>
+              <a:tr h="365760">
+                <a:tc>
+                  <a:txBody>
+                    <a:bodyPr/>
+                    <a:lstStyle/>
+                    <a:p>
+                      <a:r>
+                        <a:t>Total</a:t>
+                      </a:r>
+                    </a:p>
+                  </a:txBody>
+                  <a:tcPr/>
+                </a:tc>
+                <a:tc>
+                  <a:txBody>
+                    <a:bodyPr/>
+                    <a:lstStyle/>
+                    <a:p>
+                      <a:r>
+                        <a:t>2641</a:t>
+                      </a:r>
+                    </a:p>
+                  </a:txBody>
+                  <a:tcPr/>
+                </a:tc>
+                <a:tc>
+                  <a:txBody>
+                    <a:bodyPr/>
+                    <a:lstStyle/>
+                    <a:p>
+                      <a:r>
+                        <a:t>551</a:t>
+                      </a:r>
+                    </a:p>
+                  </a:txBody>
+                  <a:tcPr/>
+                </a:tc>
+                <a:tc>
+                  <a:txBody>
+                    <a:bodyPr/>
+                    <a:lstStyle/>
+                    <a:p>
+                      <a:r>
+                        <a:t>3192</a:t>
+                      </a:r>
+                    </a:p>
+                  </a:txBody>
+                  <a:tcPr/>
+                </a:tc>
+                <a:tc>
+                  <a:txBody>
+                    <a:bodyPr/>
+                    <a:lstStyle/>
+                    <a:p>
+                      <a:r>
+                        <a:t>83%</a:t>
+                      </a:r>
+                    </a:p>
+                  </a:txBody>
+                  <a:tcPr/>
+                </a:tc>
+              </a:tr>
+            </a:tbl>
+          </a:graphicData>
+        </a:graphic>
+      </p:graphicFrame>
+    </p:spTree>
+  </p:cSld>
+  <p:clrMapOvr>
+    <a:masterClrMapping/>
+  </p:clrMapOvr>
+</p:sld>
+</file>
+
+<file path=ppt/slides/slide3.xml><?xml version="1.0" encoding="utf-8"?>
+<p:sld xmlns:a="http://schemas.openxmlformats.org/drawingml/2006/main" xmlns:p="http://schemas.openxmlformats.org/presentationml/2006/main" xmlns:r="http://schemas.openxmlformats.org/officeDocument/2006/relationships">
+  <p:cSld>
+    <p:spTree>
+      <p:nvGrpSpPr>
+        <p:cNvPr id="1" name=""/>
+        <p:cNvGrpSpPr/>
+        <p:nvPr/>
+      </p:nvGrpSpPr>
+      <p:grpSpPr/>
+      <p:sp>
+        <p:nvSpPr>
+          <p:cNvPr id="2" name="Title 1"/>
+          <p:cNvSpPr>
+            <a:spLocks noGrp="1"/>
+          </p:cNvSpPr>
+          <p:nvPr>
             <p:ph type="title"/>
           </p:nvPr>
         </p:nvSpPr>
@@ -3156,12 +3639,25 @@
                 <a:tableStyleId>{5C22544A-7EE6-4342-B048-85BDC9FD1C3A}</a:tableStyleId>
               </a:tblPr>
               <a:tblGrid>
-                <a:gridCol w="1447800"/>
-                <a:gridCol w="1447800"/>
-                <a:gridCol w="1447800"/>
-                <a:gridCol w="1447800"/>
-                <a:gridCol w="1447800"/>
-                <a:gridCol w="1447800"/>
+                <a:gridCol w="457200"/>
+                <a:gridCol w="457200"/>
+                <a:gridCol w="457200"/>
+                <a:gridCol w="457200"/>
+                <a:gridCol w="457200"/>
+                <a:gridCol w="457200"/>
+                <a:gridCol w="457200"/>
+                <a:gridCol w="457200"/>
+                <a:gridCol w="457200"/>
+                <a:gridCol w="457200"/>
+                <a:gridCol w="457200"/>
+                <a:gridCol w="457200"/>
+                <a:gridCol w="457200"/>
+                <a:gridCol w="457200"/>
+                <a:gridCol w="457200"/>
+                <a:gridCol w="457200"/>
+                <a:gridCol w="457200"/>
+                <a:gridCol w="457200"/>
+                <a:gridCol w="457200"/>
               </a:tblGrid>
               <a:tr h="365760">
                 <a:tc>
@@ -3232,6 +3728,162 @@
                   </a:txBody>
                   <a:tcPr/>
                 </a:tc>
+                <a:tc>
+                  <a:txBody>
+                    <a:bodyPr/>
+                    <a:lstStyle/>
+                    <a:p>
+                      <a:r>
+                        <a:t>First Impressions</a:t>
+                      </a:r>
+                    </a:p>
+                  </a:txBody>
+                  <a:tcPr/>
+                </a:tc>
+                <a:tc>
+                  <a:txBody>
+                    <a:bodyPr/>
+                    <a:lstStyle/>
+                    <a:p>
+                      <a:r>
+                        <a:t>Getting to Yes</a:t>
+                      </a:r>
+                    </a:p>
+                  </a:txBody>
+                  <a:tcPr/>
+                </a:tc>
+                <a:tc>
+                  <a:txBody>
+                    <a:bodyPr/>
+                    <a:lstStyle/>
+                    <a:p>
+                      <a:r>
+                        <a:t>Goal Setting</a:t>
+                      </a:r>
+                    </a:p>
+                  </a:txBody>
+                  <a:tcPr/>
+                </a:tc>
+                <a:tc>
+                  <a:txBody>
+                    <a:bodyPr/>
+                    <a:lstStyle/>
+                    <a:p>
+                      <a:r>
+                        <a:t>Gratitude For Success</a:t>
+                      </a:r>
+                    </a:p>
+                  </a:txBody>
+                  <a:tcPr/>
+                </a:tc>
+                <a:tc>
+                  <a:txBody>
+                    <a:bodyPr/>
+                    <a:lstStyle/>
+                    <a:p>
+                      <a:r>
+                        <a:t>Induction</a:t>
+                      </a:r>
+                    </a:p>
+                  </a:txBody>
+                  <a:tcPr/>
+                </a:tc>
+                <a:tc>
+                  <a:txBody>
+                    <a:bodyPr/>
+                    <a:lstStyle/>
+                    <a:p>
+                      <a:r>
+                        <a:t>Ken Blanchard's Balances Work And Life</a:t>
+                      </a:r>
+                    </a:p>
+                  </a:txBody>
+                  <a:tcPr/>
+                </a:tc>
+                <a:tc>
+                  <a:txBody>
+                    <a:bodyPr/>
+                    <a:lstStyle/>
+                    <a:p>
+                      <a:r>
+                        <a:t>Leaders and Leadership Styles</a:t>
+                      </a:r>
+                    </a:p>
+                  </a:txBody>
+                  <a:tcPr/>
+                </a:tc>
+                <a:tc>
+                  <a:txBody>
+                    <a:bodyPr/>
+                    <a:lstStyle/>
+                    <a:p>
+                      <a:r>
+                        <a:t>Listening Skills - CPD</a:t>
+                      </a:r>
+                    </a:p>
+                  </a:txBody>
+                  <a:tcPr/>
+                </a:tc>
+                <a:tc>
+                  <a:txBody>
+                    <a:bodyPr/>
+                    <a:lstStyle/>
+                    <a:p>
+                      <a:r>
+                        <a:t>Managing Oneself</a:t>
+                      </a:r>
+                    </a:p>
+                  </a:txBody>
+                  <a:tcPr/>
+                </a:tc>
+                <a:tc>
+                  <a:txBody>
+                    <a:bodyPr/>
+                    <a:lstStyle/>
+                    <a:p>
+                      <a:r>
+                        <a:t>Negotiation</a:t>
+                      </a:r>
+                    </a:p>
+                  </a:txBody>
+                  <a:tcPr/>
+                </a:tc>
+                <a:tc>
+                  <a:txBody>
+                    <a:bodyPr/>
+                    <a:lstStyle/>
+                    <a:p>
+                      <a:r>
+                        <a:t>Situational Leadership</a:t>
+                      </a:r>
+                    </a:p>
+                  </a:txBody>
+                  <a:tcPr/>
+                </a:tc>
+                <a:tc>
+                  <a:txBody>
+                    <a:bodyPr/>
+                    <a:lstStyle/>
+                    <a:p>
+                      <a:r>
+                        <a:t>Not on Learn</a:t>
+                      </a:r>
+                    </a:p>
+                  </a:txBody>
+                  <a:tcPr/>
+                </a:tc>
+                <a:tc>
+                  <a:txBody>
+                    <a:bodyPr/>
+                    <a:lstStyle/>
+                    <a:p>
+                      <a:r>
+                        <a:t>Total</a:t>
+                      </a:r>
+                    </a:p>
+                  </a:txBody>
+                  <a:tcPr/>
+                </a:tc>
               </a:tr>
               <a:tr h="365760">
                 <a:tc>
@@ -3306,6 +3958,162 @@
                   </a:txBody>
                   <a:tcPr/>
                 </a:tc>
+                <a:tc>
+                  <a:txBody>
+                    <a:bodyPr/>
+                    <a:lstStyle/>
+                    <a:p>
+                      <a:r>
+                        <a:t>38</a:t>
+                      </a:r>
+                    </a:p>
+                  </a:txBody>
+                  <a:tcPr/>
+                </a:tc>
+                <a:tc>
+                  <a:txBody>
+                    <a:bodyPr/>
+                    <a:lstStyle/>
+                    <a:p>
+                      <a:r>
+                        <a:t>17</a:t>
+                      </a:r>
+                    </a:p>
+                  </a:txBody>
+                  <a:tcPr/>
+                </a:tc>
+                <a:tc>
+                  <a:txBody>
+                    <a:bodyPr/>
+                    <a:lstStyle/>
+                    <a:p>
+                      <a:r>
+                        <a:t>48</a:t>
+                      </a:r>
+                    </a:p>
+                  </a:txBody>
+                  <a:tcPr/>
+                </a:tc>
+                <a:tc>
+                  <a:txBody>
+                    <a:bodyPr/>
+                    <a:lstStyle/>
+                    <a:p>
+                      <a:r>
+                        <a:t>616</a:t>
+                      </a:r>
+                    </a:p>
+                  </a:txBody>
+                  <a:tcPr/>
+                </a:tc>
+                <a:tc>
+                  <a:txBody>
+                    <a:bodyPr/>
+                    <a:lstStyle/>
+                    <a:p>
+                      <a:r>
+                        <a:t>0</a:t>
+                      </a:r>
+                    </a:p>
+                  </a:txBody>
+                  <a:tcPr/>
+                </a:tc>
+                <a:tc>
+                  <a:txBody>
+                    <a:bodyPr/>
+                    <a:lstStyle/>
+                    <a:p>
+                      <a:r>
+                        <a:t>28</a:t>
+                      </a:r>
+                    </a:p>
+                  </a:txBody>
+                  <a:tcPr/>
+                </a:tc>
+                <a:tc>
+                  <a:txBody>
+                    <a:bodyPr/>
+                    <a:lstStyle/>
+                    <a:p>
+                      <a:r>
+                        <a:t>23</a:t>
+                      </a:r>
+                    </a:p>
+                  </a:txBody>
+                  <a:tcPr/>
+                </a:tc>
+                <a:tc>
+                  <a:txBody>
+                    <a:bodyPr/>
+                    <a:lstStyle/>
+                    <a:p>
+                      <a:r>
+                        <a:t>53</a:t>
+                      </a:r>
+                    </a:p>
+                  </a:txBody>
+                  <a:tcPr/>
+                </a:tc>
+                <a:tc>
+                  <a:txBody>
+                    <a:bodyPr/>
+                    <a:lstStyle/>
+                    <a:p>
+                      <a:r>
+                        <a:t>16</a:t>
+                      </a:r>
+                    </a:p>
+                  </a:txBody>
+                  <a:tcPr/>
+                </a:tc>
+                <a:tc>
+                  <a:txBody>
+                    <a:bodyPr/>
+                    <a:lstStyle/>
+                    <a:p>
+                      <a:r>
+                        <a:t>39</a:t>
+                      </a:r>
+                    </a:p>
+                  </a:txBody>
+                  <a:tcPr/>
+                </a:tc>
+                <a:tc>
+                  <a:txBody>
+                    <a:bodyPr/>
+                    <a:lstStyle/>
+                    <a:p>
+                      <a:r>
+                        <a:t>2</a:t>
+                      </a:r>
+                    </a:p>
+                  </a:txBody>
+                  <a:tcPr/>
+                </a:tc>
+                <a:tc>
+                  <a:txBody>
+                    <a:bodyPr/>
+                    <a:lstStyle/>
+                    <a:p>
+                      <a:r>
+                        <a:t>1394</a:t>
+                      </a:r>
+                    </a:p>
+                  </a:txBody>
+                  <a:tcPr/>
+                </a:tc>
+                <a:tc>
+                  <a:txBody>
+                    <a:bodyPr/>
+                    <a:lstStyle/>
+                    <a:p>
+                      <a:r>
+                        <a:t>2870</a:t>
+                      </a:r>
+                    </a:p>
+                  </a:txBody>
+                  <a:tcPr/>
+                </a:tc>
               </a:tr>
               <a:tr h="365760">
                 <a:tc>
@@ -3380,6 +4188,162 @@
                   </a:txBody>
                   <a:tcPr/>
                 </a:tc>
+                <a:tc>
+                  <a:txBody>
+                    <a:bodyPr/>
+                    <a:lstStyle/>
+                    <a:p>
+                      <a:r>
+                        <a:t>0</a:t>
+                      </a:r>
+                    </a:p>
+                  </a:txBody>
+                  <a:tcPr/>
+                </a:tc>
+                <a:tc>
+                  <a:txBody>
+                    <a:bodyPr/>
+                    <a:lstStyle/>
+                    <a:p>
+                      <a:r>
+                        <a:t>0</a:t>
+                      </a:r>
+                    </a:p>
+                  </a:txBody>
+                  <a:tcPr/>
+                </a:tc>
+                <a:tc>
+                  <a:txBody>
+                    <a:bodyPr/>
+                    <a:lstStyle/>
+                    <a:p>
+                      <a:r>
+                        <a:t>5</a:t>
+                      </a:r>
+                    </a:p>
+                  </a:txBody>
+                  <a:tcPr/>
+                </a:tc>
+                <a:tc>
+                  <a:txBody>
+                    <a:bodyPr/>
+                    <a:lstStyle/>
+                    <a:p>
+                      <a:r>
+                        <a:t>82</a:t>
+                      </a:r>
+                    </a:p>
+                  </a:txBody>
+                  <a:tcPr/>
+                </a:tc>
+                <a:tc>
+                  <a:txBody>
+                    <a:bodyPr/>
+                    <a:lstStyle/>
+                    <a:p>
+                      <a:r>
+                        <a:t>1</a:t>
+                      </a:r>
+                    </a:p>
+                  </a:txBody>
+                  <a:tcPr/>
+                </a:tc>
+                <a:tc>
+                  <a:txBody>
+                    <a:bodyPr/>
+                    <a:lstStyle/>
+                    <a:p>
+                      <a:r>
+                        <a:t>7</a:t>
+                      </a:r>
+                    </a:p>
+                  </a:txBody>
+                  <a:tcPr/>
+                </a:tc>
+                <a:tc>
+                  <a:txBody>
+                    <a:bodyPr/>
+                    <a:lstStyle/>
+                    <a:p>
+                      <a:r>
+                        <a:t>9</a:t>
+                      </a:r>
+                    </a:p>
+                  </a:txBody>
+                  <a:tcPr/>
+                </a:tc>
+                <a:tc>
+                  <a:txBody>
+                    <a:bodyPr/>
+                    <a:lstStyle/>
+                    <a:p>
+                      <a:r>
+                        <a:t>0</a:t>
+                      </a:r>
+                    </a:p>
+                  </a:txBody>
+                  <a:tcPr/>
+                </a:tc>
+                <a:tc>
+                  <a:txBody>
+                    <a:bodyPr/>
+                    <a:lstStyle/>
+                    <a:p>
+                      <a:r>
+                        <a:t>0</a:t>
+                      </a:r>
+                    </a:p>
+                  </a:txBody>
+                  <a:tcPr/>
+                </a:tc>
+                <a:tc>
+                  <a:txBody>
+                    <a:bodyPr/>
+                    <a:lstStyle/>
+                    <a:p>
+                      <a:r>
+                        <a:t>0</a:t>
+                      </a:r>
+                    </a:p>
+                  </a:txBody>
+                  <a:tcPr/>
+                </a:tc>
+                <a:tc>
+                  <a:txBody>
+                    <a:bodyPr/>
+                    <a:lstStyle/>
+                    <a:p>
+                      <a:r>
+                        <a:t>0</a:t>
+                      </a:r>
+                    </a:p>
+                  </a:txBody>
+                  <a:tcPr/>
+                </a:tc>
+                <a:tc>
+                  <a:txBody>
+                    <a:bodyPr/>
+                    <a:lstStyle/>
+                    <a:p>
+                      <a:r>
+                        <a:t>124</a:t>
+                      </a:r>
+                    </a:p>
+                  </a:txBody>
+                  <a:tcPr/>
+                </a:tc>
+                <a:tc>
+                  <a:txBody>
+                    <a:bodyPr/>
+                    <a:lstStyle/>
+                    <a:p>
+                      <a:r>
+                        <a:t>288</a:t>
+                      </a:r>
+                    </a:p>
+                  </a:txBody>
+                  <a:tcPr/>
+                </a:tc>
               </a:tr>
               <a:tr h="365760">
                 <a:tc>
@@ -3454,6 +4418,162 @@
                   </a:txBody>
                   <a:tcPr/>
                 </a:tc>
+                <a:tc>
+                  <a:txBody>
+                    <a:bodyPr/>
+                    <a:lstStyle/>
+                    <a:p>
+                      <a:r>
+                        <a:t>0</a:t>
+                      </a:r>
+                    </a:p>
+                  </a:txBody>
+                  <a:tcPr/>
+                </a:tc>
+                <a:tc>
+                  <a:txBody>
+                    <a:bodyPr/>
+                    <a:lstStyle/>
+                    <a:p>
+                      <a:r>
+                        <a:t>0</a:t>
+                      </a:r>
+                    </a:p>
+                  </a:txBody>
+                  <a:tcPr/>
+                </a:tc>
+                <a:tc>
+                  <a:txBody>
+                    <a:bodyPr/>
+                    <a:lstStyle/>
+                    <a:p>
+                      <a:r>
+                        <a:t>0</a:t>
+                      </a:r>
+                    </a:p>
+                  </a:txBody>
+                  <a:tcPr/>
+                </a:tc>
+                <a:tc>
+                  <a:txBody>
+                    <a:bodyPr/>
+                    <a:lstStyle/>
+                    <a:p>
+                      <a:r>
+                        <a:t>6</a:t>
+                      </a:r>
+                    </a:p>
+                  </a:txBody>
+                  <a:tcPr/>
+                </a:tc>
+                <a:tc>
+                  <a:txBody>
+                    <a:bodyPr/>
+                    <a:lstStyle/>
+                    <a:p>
+                      <a:r>
+                        <a:t>0</a:t>
+                      </a:r>
+                    </a:p>
+                  </a:txBody>
+                  <a:tcPr/>
+                </a:tc>
+                <a:tc>
+                  <a:txBody>
+                    <a:bodyPr/>
+                    <a:lstStyle/>
+                    <a:p>
+                      <a:r>
+                        <a:t>0</a:t>
+                      </a:r>
+                    </a:p>
+                  </a:txBody>
+                  <a:tcPr/>
+                </a:tc>
+                <a:tc>
+                  <a:txBody>
+                    <a:bodyPr/>
+                    <a:lstStyle/>
+                    <a:p>
+                      <a:r>
+                        <a:t>0</a:t>
+                      </a:r>
+                    </a:p>
+                  </a:txBody>
+                  <a:tcPr/>
+                </a:tc>
+                <a:tc>
+                  <a:txBody>
+                    <a:bodyPr/>
+                    <a:lstStyle/>
+                    <a:p>
+                      <a:r>
+                        <a:t>0</a:t>
+                      </a:r>
+                    </a:p>
+                  </a:txBody>
+                  <a:tcPr/>
+                </a:tc>
+                <a:tc>
+                  <a:txBody>
+                    <a:bodyPr/>
+                    <a:lstStyle/>
+                    <a:p>
+                      <a:r>
+                        <a:t>0</a:t>
+                      </a:r>
+                    </a:p>
+                  </a:txBody>
+                  <a:tcPr/>
+                </a:tc>
+                <a:tc>
+                  <a:txBody>
+                    <a:bodyPr/>
+                    <a:lstStyle/>
+                    <a:p>
+                      <a:r>
+                        <a:t>0</a:t>
+                      </a:r>
+                    </a:p>
+                  </a:txBody>
+                  <a:tcPr/>
+                </a:tc>
+                <a:tc>
+                  <a:txBody>
+                    <a:bodyPr/>
+                    <a:lstStyle/>
+                    <a:p>
+                      <a:r>
+                        <a:t>0</a:t>
+                      </a:r>
+                    </a:p>
+                  </a:txBody>
+                  <a:tcPr/>
+                </a:tc>
+                <a:tc>
+                  <a:txBody>
+                    <a:bodyPr/>
+                    <a:lstStyle/>
+                    <a:p>
+                      <a:r>
+                        <a:t>20</a:t>
+                      </a:r>
+                    </a:p>
+                  </a:txBody>
+                  <a:tcPr/>
+                </a:tc>
+                <a:tc>
+                  <a:txBody>
+                    <a:bodyPr/>
+                    <a:lstStyle/>
+                    <a:p>
+                      <a:r>
+                        <a:t>34</a:t>
+                      </a:r>
+                    </a:p>
+                  </a:txBody>
+                  <a:tcPr/>
+                </a:tc>
               </a:tr>
               <a:tr h="365760">
                 <a:tc>
@@ -3528,184 +4648,6 @@
                   </a:txBody>
                   <a:tcPr/>
                 </a:tc>
-              </a:tr>
-            </a:tbl>
-          </a:graphicData>
-        </a:graphic>
-      </p:graphicFrame>
-    </p:spTree>
-  </p:cSld>
-  <p:clrMapOvr>
-    <a:masterClrMapping/>
-  </p:clrMapOvr>
-</p:sld>
-</file>
-
-<file path=ppt/slides/slide2.xml><?xml version="1.0" encoding="utf-8"?>
-<p:sld xmlns:a="http://schemas.openxmlformats.org/drawingml/2006/main" xmlns:p="http://schemas.openxmlformats.org/presentationml/2006/main" xmlns:r="http://schemas.openxmlformats.org/officeDocument/2006/relationships">
-  <p:cSld>
-    <p:spTree>
-      <p:nvGrpSpPr>
-        <p:cNvPr id="1" name=""/>
-        <p:cNvGrpSpPr/>
-        <p:nvPr/>
-      </p:nvGrpSpPr>
-      <p:grpSpPr/>
-      <p:sp>
-        <p:nvSpPr>
-          <p:cNvPr id="2" name="Title 1"/>
-          <p:cNvSpPr>
-            <a:spLocks noGrp="1"/>
-          </p:cNvSpPr>
-          <p:nvPr>
-            <p:ph type="title"/>
-          </p:nvPr>
-        </p:nvSpPr>
-        <p:spPr/>
-        <p:txBody>
-          <a:bodyPr/>
-          <a:lstStyle/>
-          <a:p>
-            <a:r>
-              <a:rPr sz="4400" b="1"/>
-              <a:t>Learn Status Continued</a:t>
-            </a:r>
-          </a:p>
-        </p:txBody>
-      </p:sp>
-      <p:pic>
-        <p:nvPicPr>
-          <p:cNvPr id="3" name="Picture 2" descr="SeekLogo.png"/>
-          <p:cNvPicPr>
-            <a:picLocks noChangeAspect="1"/>
-          </p:cNvPicPr>
-          <p:nvPr/>
-        </p:nvPicPr>
-        <p:blipFill>
-          <a:blip r:embed="rId2"/>
-          <a:stretch>
-            <a:fillRect/>
-          </a:stretch>
-        </p:blipFill>
-        <p:spPr>
-          <a:xfrm>
-            <a:off x="8293608" y="18288"/>
-            <a:ext cx="841248" cy="768096"/>
-          </a:xfrm>
-          <a:prstGeom prst="rect">
-            <a:avLst/>
-          </a:prstGeom>
-        </p:spPr>
-      </p:pic>
-      <p:graphicFrame>
-        <p:nvGraphicFramePr>
-          <p:cNvPr id="4" name="Table 3"/>
-          <p:cNvGraphicFramePr>
-            <a:graphicFrameLocks noGrp="1"/>
-          </p:cNvGraphicFramePr>
-          <p:nvPr/>
-        </p:nvGraphicFramePr>
-        <p:xfrm>
-          <a:off x="304495" y="1371600"/>
-          <a:ext cx="8686800" cy="1828800"/>
-        </p:xfrm>
-        <a:graphic>
-          <a:graphicData uri="http://schemas.openxmlformats.org/drawingml/2006/table">
-            <a:tbl>
-              <a:tblPr firstRow="1" bandRow="1">
-                <a:tableStyleId>{5C22544A-7EE6-4342-B048-85BDC9FD1C3A}</a:tableStyleId>
-              </a:tblPr>
-              <a:tblGrid>
-                <a:gridCol w="1447800"/>
-                <a:gridCol w="1447800"/>
-                <a:gridCol w="1447800"/>
-                <a:gridCol w="1447800"/>
-                <a:gridCol w="1447800"/>
-                <a:gridCol w="1447800"/>
-              </a:tblGrid>
-              <a:tr h="365760">
-                <a:tc>
-                  <a:txBody>
-                    <a:bodyPr/>
-                    <a:lstStyle/>
-                    <a:p/>
-                  </a:txBody>
-                  <a:tcPr/>
-                </a:tc>
-                <a:tc>
-                  <a:txBody>
-                    <a:bodyPr/>
-                    <a:lstStyle/>
-                    <a:p>
-                      <a:r>
-                        <a:t>First Impressions</a:t>
-                      </a:r>
-                    </a:p>
-                  </a:txBody>
-                  <a:tcPr/>
-                </a:tc>
-                <a:tc>
-                  <a:txBody>
-                    <a:bodyPr/>
-                    <a:lstStyle/>
-                    <a:p>
-                      <a:r>
-                        <a:t>Getting to Yes</a:t>
-                      </a:r>
-                    </a:p>
-                  </a:txBody>
-                  <a:tcPr/>
-                </a:tc>
-                <a:tc>
-                  <a:txBody>
-                    <a:bodyPr/>
-                    <a:lstStyle/>
-                    <a:p>
-                      <a:r>
-                        <a:t>Goal Setting</a:t>
-                      </a:r>
-                    </a:p>
-                  </a:txBody>
-                  <a:tcPr/>
-                </a:tc>
-                <a:tc>
-                  <a:txBody>
-                    <a:bodyPr/>
-                    <a:lstStyle/>
-                    <a:p>
-                      <a:r>
-                        <a:t>Gratitude For Success</a:t>
-                      </a:r>
-                    </a:p>
-                  </a:txBody>
-                  <a:tcPr/>
-                </a:tc>
-                <a:tc>
-                  <a:txBody>
-                    <a:bodyPr/>
-                    <a:lstStyle/>
-                    <a:p>
-                      <a:r>
-                        <a:t>Induction</a:t>
-                      </a:r>
-                    </a:p>
-                  </a:txBody>
-                  <a:tcPr/>
-                </a:tc>
-              </a:tr>
-              <a:tr h="365760">
-                <a:tc>
-                  <a:txBody>
-                    <a:bodyPr/>
-                    <a:lstStyle/>
-                    <a:p>
-                      <a:r>
-                        <a:t>Junior</a:t>
-                      </a:r>
-                    </a:p>
-                  </a:txBody>
-                  <a:tcPr/>
-                </a:tc>
                 <a:tc>
                   <a:txBody>
                     <a:bodyPr/>
@@ -3736,93 +4678,19 @@
                     <a:lstStyle/>
                     <a:p>
                       <a:r>
-                        <a:t>48</a:t>
-                      </a:r>
-                    </a:p>
-                  </a:txBody>
-                  <a:tcPr/>
-                </a:tc>
-                <a:tc>
-                  <a:txBody>
-                    <a:bodyPr/>
-                    <a:lstStyle/>
-                    <a:p>
-                      <a:r>
-                        <a:t>616</a:t>
-                      </a:r>
-                    </a:p>
-                  </a:txBody>
-                  <a:tcPr/>
-                </a:tc>
-                <a:tc>
-                  <a:txBody>
-                    <a:bodyPr/>
-                    <a:lstStyle/>
-                    <a:p>
-                      <a:r>
-                        <a:t>0</a:t>
-                      </a:r>
-                    </a:p>
-                  </a:txBody>
-                  <a:tcPr/>
-                </a:tc>
-              </a:tr>
-              <a:tr h="365760">
-                <a:tc>
-                  <a:txBody>
-                    <a:bodyPr/>
-                    <a:lstStyle/>
-                    <a:p>
-                      <a:r>
-                        <a:t>Middle</a:t>
-                      </a:r>
-                    </a:p>
-                  </a:txBody>
-                  <a:tcPr/>
-                </a:tc>
-                <a:tc>
-                  <a:txBody>
-                    <a:bodyPr/>
-                    <a:lstStyle/>
-                    <a:p>
-                      <a:r>
-                        <a:t>0</a:t>
-                      </a:r>
-                    </a:p>
-                  </a:txBody>
-                  <a:tcPr/>
-                </a:tc>
-                <a:tc>
-                  <a:txBody>
-                    <a:bodyPr/>
-                    <a:lstStyle/>
-                    <a:p>
-                      <a:r>
-                        <a:t>0</a:t>
-                      </a:r>
-                    </a:p>
-                  </a:txBody>
-                  <a:tcPr/>
-                </a:tc>
-                <a:tc>
-                  <a:txBody>
-                    <a:bodyPr/>
-                    <a:lstStyle/>
-                    <a:p>
-                      <a:r>
-                        <a:t>5</a:t>
-                      </a:r>
-                    </a:p>
-                  </a:txBody>
-                  <a:tcPr/>
-                </a:tc>
-                <a:tc>
-                  <a:txBody>
-                    <a:bodyPr/>
-                    <a:lstStyle/>
-                    <a:p>
-                      <a:r>
-                        <a:t>82</a:t>
+                        <a:t>53</a:t>
+                      </a:r>
+                    </a:p>
+                  </a:txBody>
+                  <a:tcPr/>
+                </a:tc>
+                <a:tc>
+                  <a:txBody>
+                    <a:bodyPr/>
+                    <a:lstStyle/>
+                    <a:p>
+                      <a:r>
+                        <a:t>704</a:t>
                       </a:r>
                     </a:p>
                   </a:txBody>
@@ -3840,113 +4708,25 @@
                   </a:txBody>
                   <a:tcPr/>
                 </a:tc>
-              </a:tr>
-              <a:tr h="365760">
-                <a:tc>
-                  <a:txBody>
-                    <a:bodyPr/>
-                    <a:lstStyle/>
-                    <a:p>
-                      <a:r>
-                        <a:t>Senior</a:t>
-                      </a:r>
-                    </a:p>
-                  </a:txBody>
-                  <a:tcPr/>
-                </a:tc>
-                <a:tc>
-                  <a:txBody>
-                    <a:bodyPr/>
-                    <a:lstStyle/>
-                    <a:p>
-                      <a:r>
-                        <a:t>0</a:t>
-                      </a:r>
-                    </a:p>
-                  </a:txBody>
-                  <a:tcPr/>
-                </a:tc>
-                <a:tc>
-                  <a:txBody>
-                    <a:bodyPr/>
-                    <a:lstStyle/>
-                    <a:p>
-                      <a:r>
-                        <a:t>0</a:t>
-                      </a:r>
-                    </a:p>
-                  </a:txBody>
-                  <a:tcPr/>
-                </a:tc>
-                <a:tc>
-                  <a:txBody>
-                    <a:bodyPr/>
-                    <a:lstStyle/>
-                    <a:p>
-                      <a:r>
-                        <a:t>0</a:t>
-                      </a:r>
-                    </a:p>
-                  </a:txBody>
-                  <a:tcPr/>
-                </a:tc>
-                <a:tc>
-                  <a:txBody>
-                    <a:bodyPr/>
-                    <a:lstStyle/>
-                    <a:p>
-                      <a:r>
-                        <a:t>6</a:t>
-                      </a:r>
-                    </a:p>
-                  </a:txBody>
-                  <a:tcPr/>
-                </a:tc>
-                <a:tc>
-                  <a:txBody>
-                    <a:bodyPr/>
-                    <a:lstStyle/>
-                    <a:p>
-                      <a:r>
-                        <a:t>0</a:t>
-                      </a:r>
-                    </a:p>
-                  </a:txBody>
-                  <a:tcPr/>
-                </a:tc>
-              </a:tr>
-              <a:tr h="365760">
-                <a:tc>
-                  <a:txBody>
-                    <a:bodyPr/>
-                    <a:lstStyle/>
-                    <a:p>
-                      <a:r>
-                        <a:t>Total</a:t>
-                      </a:r>
-                    </a:p>
-                  </a:txBody>
-                  <a:tcPr/>
-                </a:tc>
-                <a:tc>
-                  <a:txBody>
-                    <a:bodyPr/>
-                    <a:lstStyle/>
-                    <a:p>
-                      <a:r>
-                        <a:t>38</a:t>
-                      </a:r>
-                    </a:p>
-                  </a:txBody>
-                  <a:tcPr/>
-                </a:tc>
-                <a:tc>
-                  <a:txBody>
-                    <a:bodyPr/>
-                    <a:lstStyle/>
-                    <a:p>
-                      <a:r>
-                        <a:t>17</a:t>
+                <a:tc>
+                  <a:txBody>
+                    <a:bodyPr/>
+                    <a:lstStyle/>
+                    <a:p>
+                      <a:r>
+                        <a:t>35</a:t>
+                      </a:r>
+                    </a:p>
+                  </a:txBody>
+                  <a:tcPr/>
+                </a:tc>
+                <a:tc>
+                  <a:txBody>
+                    <a:bodyPr/>
+                    <a:lstStyle/>
+                    <a:p>
+                      <a:r>
+                        <a:t>32</a:t>
                       </a:r>
                     </a:p>
                   </a:txBody>
@@ -3970,244 +4750,6 @@
                     <a:lstStyle/>
                     <a:p>
                       <a:r>
-                        <a:t>704</a:t>
-                      </a:r>
-                    </a:p>
-                  </a:txBody>
-                  <a:tcPr/>
-                </a:tc>
-                <a:tc>
-                  <a:txBody>
-                    <a:bodyPr/>
-                    <a:lstStyle/>
-                    <a:p>
-                      <a:r>
-                        <a:t>1</a:t>
-                      </a:r>
-                    </a:p>
-                  </a:txBody>
-                  <a:tcPr/>
-                </a:tc>
-              </a:tr>
-            </a:tbl>
-          </a:graphicData>
-        </a:graphic>
-      </p:graphicFrame>
-    </p:spTree>
-  </p:cSld>
-  <p:clrMapOvr>
-    <a:masterClrMapping/>
-  </p:clrMapOvr>
-</p:sld>
-</file>
-
-<file path=ppt/slides/slide3.xml><?xml version="1.0" encoding="utf-8"?>
-<p:sld xmlns:a="http://schemas.openxmlformats.org/drawingml/2006/main" xmlns:p="http://schemas.openxmlformats.org/presentationml/2006/main" xmlns:r="http://schemas.openxmlformats.org/officeDocument/2006/relationships">
-  <p:cSld>
-    <p:spTree>
-      <p:nvGrpSpPr>
-        <p:cNvPr id="1" name=""/>
-        <p:cNvGrpSpPr/>
-        <p:nvPr/>
-      </p:nvGrpSpPr>
-      <p:grpSpPr/>
-      <p:sp>
-        <p:nvSpPr>
-          <p:cNvPr id="2" name="Title 1"/>
-          <p:cNvSpPr>
-            <a:spLocks noGrp="1"/>
-          </p:cNvSpPr>
-          <p:nvPr>
-            <p:ph type="title"/>
-          </p:nvPr>
-        </p:nvSpPr>
-        <p:spPr/>
-        <p:txBody>
-          <a:bodyPr/>
-          <a:lstStyle/>
-          <a:p>
-            <a:r>
-              <a:rPr sz="4400" b="1"/>
-              <a:t>Learn Status Continued</a:t>
-            </a:r>
-          </a:p>
-        </p:txBody>
-      </p:sp>
-      <p:pic>
-        <p:nvPicPr>
-          <p:cNvPr id="3" name="Picture 2" descr="SeekLogo.png"/>
-          <p:cNvPicPr>
-            <a:picLocks noChangeAspect="1"/>
-          </p:cNvPicPr>
-          <p:nvPr/>
-        </p:nvPicPr>
-        <p:blipFill>
-          <a:blip r:embed="rId2"/>
-          <a:stretch>
-            <a:fillRect/>
-          </a:stretch>
-        </p:blipFill>
-        <p:spPr>
-          <a:xfrm>
-            <a:off x="8293608" y="18288"/>
-            <a:ext cx="841248" cy="768096"/>
-          </a:xfrm>
-          <a:prstGeom prst="rect">
-            <a:avLst/>
-          </a:prstGeom>
-        </p:spPr>
-      </p:pic>
-      <p:graphicFrame>
-        <p:nvGraphicFramePr>
-          <p:cNvPr id="4" name="Table 3"/>
-          <p:cNvGraphicFramePr>
-            <a:graphicFrameLocks noGrp="1"/>
-          </p:cNvGraphicFramePr>
-          <p:nvPr/>
-        </p:nvGraphicFramePr>
-        <p:xfrm>
-          <a:off x="304495" y="1371600"/>
-          <a:ext cx="8686800" cy="1828800"/>
-        </p:xfrm>
-        <a:graphic>
-          <a:graphicData uri="http://schemas.openxmlformats.org/drawingml/2006/table">
-            <a:tbl>
-              <a:tblPr firstRow="1" bandRow="1">
-                <a:tableStyleId>{5C22544A-7EE6-4342-B048-85BDC9FD1C3A}</a:tableStyleId>
-              </a:tblPr>
-              <a:tblGrid>
-                <a:gridCol w="1447800"/>
-                <a:gridCol w="1447800"/>
-                <a:gridCol w="1447800"/>
-                <a:gridCol w="1447800"/>
-                <a:gridCol w="1447800"/>
-                <a:gridCol w="1447800"/>
-              </a:tblGrid>
-              <a:tr h="365760">
-                <a:tc>
-                  <a:txBody>
-                    <a:bodyPr/>
-                    <a:lstStyle/>
-                    <a:p/>
-                  </a:txBody>
-                  <a:tcPr/>
-                </a:tc>
-                <a:tc>
-                  <a:txBody>
-                    <a:bodyPr/>
-                    <a:lstStyle/>
-                    <a:p>
-                      <a:r>
-                        <a:t>Ken Blanchard's Balances Work And Life</a:t>
-                      </a:r>
-                    </a:p>
-                  </a:txBody>
-                  <a:tcPr/>
-                </a:tc>
-                <a:tc>
-                  <a:txBody>
-                    <a:bodyPr/>
-                    <a:lstStyle/>
-                    <a:p>
-                      <a:r>
-                        <a:t>Leaders and Leadership Styles</a:t>
-                      </a:r>
-                    </a:p>
-                  </a:txBody>
-                  <a:tcPr/>
-                </a:tc>
-                <a:tc>
-                  <a:txBody>
-                    <a:bodyPr/>
-                    <a:lstStyle/>
-                    <a:p>
-                      <a:r>
-                        <a:t>Listening Skills - CPD</a:t>
-                      </a:r>
-                    </a:p>
-                  </a:txBody>
-                  <a:tcPr/>
-                </a:tc>
-                <a:tc>
-                  <a:txBody>
-                    <a:bodyPr/>
-                    <a:lstStyle/>
-                    <a:p>
-                      <a:r>
-                        <a:t>Managing Oneself</a:t>
-                      </a:r>
-                    </a:p>
-                  </a:txBody>
-                  <a:tcPr/>
-                </a:tc>
-                <a:tc>
-                  <a:txBody>
-                    <a:bodyPr/>
-                    <a:lstStyle/>
-                    <a:p>
-                      <a:r>
-                        <a:t>Negotiation</a:t>
-                      </a:r>
-                    </a:p>
-                  </a:txBody>
-                  <a:tcPr/>
-                </a:tc>
-              </a:tr>
-              <a:tr h="365760">
-                <a:tc>
-                  <a:txBody>
-                    <a:bodyPr/>
-                    <a:lstStyle/>
-                    <a:p>
-                      <a:r>
-                        <a:t>Junior</a:t>
-                      </a:r>
-                    </a:p>
-                  </a:txBody>
-                  <a:tcPr/>
-                </a:tc>
-                <a:tc>
-                  <a:txBody>
-                    <a:bodyPr/>
-                    <a:lstStyle/>
-                    <a:p>
-                      <a:r>
-                        <a:t>28</a:t>
-                      </a:r>
-                    </a:p>
-                  </a:txBody>
-                  <a:tcPr/>
-                </a:tc>
-                <a:tc>
-                  <a:txBody>
-                    <a:bodyPr/>
-                    <a:lstStyle/>
-                    <a:p>
-                      <a:r>
-                        <a:t>23</a:t>
-                      </a:r>
-                    </a:p>
-                  </a:txBody>
-                  <a:tcPr/>
-                </a:tc>
-                <a:tc>
-                  <a:txBody>
-                    <a:bodyPr/>
-                    <a:lstStyle/>
-                    <a:p>
-                      <a:r>
-                        <a:t>53</a:t>
-                      </a:r>
-                    </a:p>
-                  </a:txBody>
-                  <a:tcPr/>
-                </a:tc>
-                <a:tc>
-                  <a:txBody>
-                    <a:bodyPr/>
-                    <a:lstStyle/>
-                    <a:p>
-                      <a:r>
                         <a:t>16</a:t>
                       </a:r>
                     </a:p>
@@ -4226,380 +4768,6 @@
                   </a:txBody>
                   <a:tcPr/>
                 </a:tc>
-              </a:tr>
-              <a:tr h="365760">
-                <a:tc>
-                  <a:txBody>
-                    <a:bodyPr/>
-                    <a:lstStyle/>
-                    <a:p>
-                      <a:r>
-                        <a:t>Middle</a:t>
-                      </a:r>
-                    </a:p>
-                  </a:txBody>
-                  <a:tcPr/>
-                </a:tc>
-                <a:tc>
-                  <a:txBody>
-                    <a:bodyPr/>
-                    <a:lstStyle/>
-                    <a:p>
-                      <a:r>
-                        <a:t>7</a:t>
-                      </a:r>
-                    </a:p>
-                  </a:txBody>
-                  <a:tcPr/>
-                </a:tc>
-                <a:tc>
-                  <a:txBody>
-                    <a:bodyPr/>
-                    <a:lstStyle/>
-                    <a:p>
-                      <a:r>
-                        <a:t>9</a:t>
-                      </a:r>
-                    </a:p>
-                  </a:txBody>
-                  <a:tcPr/>
-                </a:tc>
-                <a:tc>
-                  <a:txBody>
-                    <a:bodyPr/>
-                    <a:lstStyle/>
-                    <a:p>
-                      <a:r>
-                        <a:t>0</a:t>
-                      </a:r>
-                    </a:p>
-                  </a:txBody>
-                  <a:tcPr/>
-                </a:tc>
-                <a:tc>
-                  <a:txBody>
-                    <a:bodyPr/>
-                    <a:lstStyle/>
-                    <a:p>
-                      <a:r>
-                        <a:t>0</a:t>
-                      </a:r>
-                    </a:p>
-                  </a:txBody>
-                  <a:tcPr/>
-                </a:tc>
-                <a:tc>
-                  <a:txBody>
-                    <a:bodyPr/>
-                    <a:lstStyle/>
-                    <a:p>
-                      <a:r>
-                        <a:t>0</a:t>
-                      </a:r>
-                    </a:p>
-                  </a:txBody>
-                  <a:tcPr/>
-                </a:tc>
-              </a:tr>
-              <a:tr h="365760">
-                <a:tc>
-                  <a:txBody>
-                    <a:bodyPr/>
-                    <a:lstStyle/>
-                    <a:p>
-                      <a:r>
-                        <a:t>Senior</a:t>
-                      </a:r>
-                    </a:p>
-                  </a:txBody>
-                  <a:tcPr/>
-                </a:tc>
-                <a:tc>
-                  <a:txBody>
-                    <a:bodyPr/>
-                    <a:lstStyle/>
-                    <a:p>
-                      <a:r>
-                        <a:t>0</a:t>
-                      </a:r>
-                    </a:p>
-                  </a:txBody>
-                  <a:tcPr/>
-                </a:tc>
-                <a:tc>
-                  <a:txBody>
-                    <a:bodyPr/>
-                    <a:lstStyle/>
-                    <a:p>
-                      <a:r>
-                        <a:t>0</a:t>
-                      </a:r>
-                    </a:p>
-                  </a:txBody>
-                  <a:tcPr/>
-                </a:tc>
-                <a:tc>
-                  <a:txBody>
-                    <a:bodyPr/>
-                    <a:lstStyle/>
-                    <a:p>
-                      <a:r>
-                        <a:t>0</a:t>
-                      </a:r>
-                    </a:p>
-                  </a:txBody>
-                  <a:tcPr/>
-                </a:tc>
-                <a:tc>
-                  <a:txBody>
-                    <a:bodyPr/>
-                    <a:lstStyle/>
-                    <a:p>
-                      <a:r>
-                        <a:t>0</a:t>
-                      </a:r>
-                    </a:p>
-                  </a:txBody>
-                  <a:tcPr/>
-                </a:tc>
-                <a:tc>
-                  <a:txBody>
-                    <a:bodyPr/>
-                    <a:lstStyle/>
-                    <a:p>
-                      <a:r>
-                        <a:t>0</a:t>
-                      </a:r>
-                    </a:p>
-                  </a:txBody>
-                  <a:tcPr/>
-                </a:tc>
-              </a:tr>
-              <a:tr h="365760">
-                <a:tc>
-                  <a:txBody>
-                    <a:bodyPr/>
-                    <a:lstStyle/>
-                    <a:p>
-                      <a:r>
-                        <a:t>Total</a:t>
-                      </a:r>
-                    </a:p>
-                  </a:txBody>
-                  <a:tcPr/>
-                </a:tc>
-                <a:tc>
-                  <a:txBody>
-                    <a:bodyPr/>
-                    <a:lstStyle/>
-                    <a:p>
-                      <a:r>
-                        <a:t>35</a:t>
-                      </a:r>
-                    </a:p>
-                  </a:txBody>
-                  <a:tcPr/>
-                </a:tc>
-                <a:tc>
-                  <a:txBody>
-                    <a:bodyPr/>
-                    <a:lstStyle/>
-                    <a:p>
-                      <a:r>
-                        <a:t>32</a:t>
-                      </a:r>
-                    </a:p>
-                  </a:txBody>
-                  <a:tcPr/>
-                </a:tc>
-                <a:tc>
-                  <a:txBody>
-                    <a:bodyPr/>
-                    <a:lstStyle/>
-                    <a:p>
-                      <a:r>
-                        <a:t>53</a:t>
-                      </a:r>
-                    </a:p>
-                  </a:txBody>
-                  <a:tcPr/>
-                </a:tc>
-                <a:tc>
-                  <a:txBody>
-                    <a:bodyPr/>
-                    <a:lstStyle/>
-                    <a:p>
-                      <a:r>
-                        <a:t>16</a:t>
-                      </a:r>
-                    </a:p>
-                  </a:txBody>
-                  <a:tcPr/>
-                </a:tc>
-                <a:tc>
-                  <a:txBody>
-                    <a:bodyPr/>
-                    <a:lstStyle/>
-                    <a:p>
-                      <a:r>
-                        <a:t>39</a:t>
-                      </a:r>
-                    </a:p>
-                  </a:txBody>
-                  <a:tcPr/>
-                </a:tc>
-              </a:tr>
-            </a:tbl>
-          </a:graphicData>
-        </a:graphic>
-      </p:graphicFrame>
-    </p:spTree>
-  </p:cSld>
-  <p:clrMapOvr>
-    <a:masterClrMapping/>
-  </p:clrMapOvr>
-</p:sld>
-</file>
-
-<file path=ppt/slides/slide4.xml><?xml version="1.0" encoding="utf-8"?>
-<p:sld xmlns:a="http://schemas.openxmlformats.org/drawingml/2006/main" xmlns:p="http://schemas.openxmlformats.org/presentationml/2006/main" xmlns:r="http://schemas.openxmlformats.org/officeDocument/2006/relationships">
-  <p:cSld>
-    <p:spTree>
-      <p:nvGrpSpPr>
-        <p:cNvPr id="1" name=""/>
-        <p:cNvGrpSpPr/>
-        <p:nvPr/>
-      </p:nvGrpSpPr>
-      <p:grpSpPr/>
-      <p:sp>
-        <p:nvSpPr>
-          <p:cNvPr id="2" name="Title 1"/>
-          <p:cNvSpPr>
-            <a:spLocks noGrp="1"/>
-          </p:cNvSpPr>
-          <p:nvPr>
-            <p:ph type="title"/>
-          </p:nvPr>
-        </p:nvSpPr>
-        <p:spPr/>
-        <p:txBody>
-          <a:bodyPr/>
-          <a:lstStyle/>
-          <a:p>
-            <a:r>
-              <a:rPr sz="4400" b="1"/>
-              <a:t>Learn Status Continued</a:t>
-            </a:r>
-          </a:p>
-        </p:txBody>
-      </p:sp>
-      <p:pic>
-        <p:nvPicPr>
-          <p:cNvPr id="3" name="Picture 2" descr="SeekLogo.png"/>
-          <p:cNvPicPr>
-            <a:picLocks noChangeAspect="1"/>
-          </p:cNvPicPr>
-          <p:nvPr/>
-        </p:nvPicPr>
-        <p:blipFill>
-          <a:blip r:embed="rId2"/>
-          <a:stretch>
-            <a:fillRect/>
-          </a:stretch>
-        </p:blipFill>
-        <p:spPr>
-          <a:xfrm>
-            <a:off x="8293608" y="18288"/>
-            <a:ext cx="841248" cy="768096"/>
-          </a:xfrm>
-          <a:prstGeom prst="rect">
-            <a:avLst/>
-          </a:prstGeom>
-        </p:spPr>
-      </p:pic>
-      <p:graphicFrame>
-        <p:nvGraphicFramePr>
-          <p:cNvPr id="4" name="Table 3"/>
-          <p:cNvGraphicFramePr>
-            <a:graphicFrameLocks noGrp="1"/>
-          </p:cNvGraphicFramePr>
-          <p:nvPr/>
-        </p:nvGraphicFramePr>
-        <p:xfrm>
-          <a:off x="304495" y="1371600"/>
-          <a:ext cx="8686800" cy="1828800"/>
-        </p:xfrm>
-        <a:graphic>
-          <a:graphicData uri="http://schemas.openxmlformats.org/drawingml/2006/table">
-            <a:tbl>
-              <a:tblPr firstRow="1" bandRow="1">
-                <a:tableStyleId>{5C22544A-7EE6-4342-B048-85BDC9FD1C3A}</a:tableStyleId>
-              </a:tblPr>
-              <a:tblGrid>
-                <a:gridCol w="2171700"/>
-                <a:gridCol w="2171700"/>
-                <a:gridCol w="2171700"/>
-                <a:gridCol w="2171700"/>
-              </a:tblGrid>
-              <a:tr h="365760">
-                <a:tc>
-                  <a:txBody>
-                    <a:bodyPr/>
-                    <a:lstStyle/>
-                    <a:p/>
-                  </a:txBody>
-                  <a:tcPr/>
-                </a:tc>
-                <a:tc>
-                  <a:txBody>
-                    <a:bodyPr/>
-                    <a:lstStyle/>
-                    <a:p>
-                      <a:r>
-                        <a:t>Situational Leadership</a:t>
-                      </a:r>
-                    </a:p>
-                  </a:txBody>
-                  <a:tcPr/>
-                </a:tc>
-                <a:tc>
-                  <a:txBody>
-                    <a:bodyPr/>
-                    <a:lstStyle/>
-                    <a:p>
-                      <a:r>
-                        <a:t>Not on Learn</a:t>
-                      </a:r>
-                    </a:p>
-                  </a:txBody>
-                  <a:tcPr/>
-                </a:tc>
-                <a:tc>
-                  <a:txBody>
-                    <a:bodyPr/>
-                    <a:lstStyle/>
-                    <a:p>
-                      <a:r>
-                        <a:t>Total</a:t>
-                      </a:r>
-                    </a:p>
-                  </a:txBody>
-                  <a:tcPr/>
-                </a:tc>
-              </a:tr>
-              <a:tr h="365760">
-                <a:tc>
-                  <a:txBody>
-                    <a:bodyPr/>
-                    <a:lstStyle/>
-                    <a:p>
-                      <a:r>
-                        <a:t>Junior</a:t>
-                      </a:r>
-                    </a:p>
-                  </a:txBody>
-                  <a:tcPr/>
-                </a:tc>
                 <a:tc>
                   <a:txBody>
                     <a:bodyPr/>
@@ -4618,157 +4786,7 @@
                     <a:lstStyle/>
                     <a:p>
                       <a:r>
-                        <a:t>2868</a:t>
-                      </a:r>
-                    </a:p>
-                  </a:txBody>
-                  <a:tcPr/>
-                </a:tc>
-                <a:tc>
-                  <a:txBody>
-                    <a:bodyPr/>
-                    <a:lstStyle/>
-                    <a:p>
-                      <a:r>
-                        <a:t>2870</a:t>
-                      </a:r>
-                    </a:p>
-                  </a:txBody>
-                  <a:tcPr/>
-                </a:tc>
-              </a:tr>
-              <a:tr h="365760">
-                <a:tc>
-                  <a:txBody>
-                    <a:bodyPr/>
-                    <a:lstStyle/>
-                    <a:p>
-                      <a:r>
-                        <a:t>Middle</a:t>
-                      </a:r>
-                    </a:p>
-                  </a:txBody>
-                  <a:tcPr/>
-                </a:tc>
-                <a:tc>
-                  <a:txBody>
-                    <a:bodyPr/>
-                    <a:lstStyle/>
-                    <a:p>
-                      <a:r>
-                        <a:t>0</a:t>
-                      </a:r>
-                    </a:p>
-                  </a:txBody>
-                  <a:tcPr/>
-                </a:tc>
-                <a:tc>
-                  <a:txBody>
-                    <a:bodyPr/>
-                    <a:lstStyle/>
-                    <a:p>
-                      <a:r>
-                        <a:t>288</a:t>
-                      </a:r>
-                    </a:p>
-                  </a:txBody>
-                  <a:tcPr/>
-                </a:tc>
-                <a:tc>
-                  <a:txBody>
-                    <a:bodyPr/>
-                    <a:lstStyle/>
-                    <a:p>
-                      <a:r>
-                        <a:t>288</a:t>
-                      </a:r>
-                    </a:p>
-                  </a:txBody>
-                  <a:tcPr/>
-                </a:tc>
-              </a:tr>
-              <a:tr h="365760">
-                <a:tc>
-                  <a:txBody>
-                    <a:bodyPr/>
-                    <a:lstStyle/>
-                    <a:p>
-                      <a:r>
-                        <a:t>Senior</a:t>
-                      </a:r>
-                    </a:p>
-                  </a:txBody>
-                  <a:tcPr/>
-                </a:tc>
-                <a:tc>
-                  <a:txBody>
-                    <a:bodyPr/>
-                    <a:lstStyle/>
-                    <a:p>
-                      <a:r>
-                        <a:t>0</a:t>
-                      </a:r>
-                    </a:p>
-                  </a:txBody>
-                  <a:tcPr/>
-                </a:tc>
-                <a:tc>
-                  <a:txBody>
-                    <a:bodyPr/>
-                    <a:lstStyle/>
-                    <a:p>
-                      <a:r>
-                        <a:t>34</a:t>
-                      </a:r>
-                    </a:p>
-                  </a:txBody>
-                  <a:tcPr/>
-                </a:tc>
-                <a:tc>
-                  <a:txBody>
-                    <a:bodyPr/>
-                    <a:lstStyle/>
-                    <a:p>
-                      <a:r>
-                        <a:t>34</a:t>
-                      </a:r>
-                    </a:p>
-                  </a:txBody>
-                  <a:tcPr/>
-                </a:tc>
-              </a:tr>
-              <a:tr h="365760">
-                <a:tc>
-                  <a:txBody>
-                    <a:bodyPr/>
-                    <a:lstStyle/>
-                    <a:p>
-                      <a:r>
-                        <a:t>Total</a:t>
-                      </a:r>
-                    </a:p>
-                  </a:txBody>
-                  <a:tcPr/>
-                </a:tc>
-                <a:tc>
-                  <a:txBody>
-                    <a:bodyPr/>
-                    <a:lstStyle/>
-                    <a:p>
-                      <a:r>
-                        <a:t>2</a:t>
-                      </a:r>
-                    </a:p>
-                  </a:txBody>
-                  <a:tcPr/>
-                </a:tc>
-                <a:tc>
-                  <a:txBody>
-                    <a:bodyPr/>
-                    <a:lstStyle/>
-                    <a:p>
-                      <a:r>
-                        <a:t>3190</a:t>
+                        <a:t>1538</a:t>
                       </a:r>
                     </a:p>
                   </a:txBody>
